--- a/Business Analysis Best Practices.pptx
+++ b/Business Analysis Best Practices.pptx
@@ -7,10 +7,11 @@
   <p:sldIdLst>
     <p:sldId id="256" r:id="rId3"/>
     <p:sldId id="259" r:id="rId4"/>
-    <p:sldId id="264" r:id="rId5"/>
+    <p:sldId id="268" r:id="rId5"/>
     <p:sldId id="265" r:id="rId6"/>
-    <p:sldId id="266" r:id="rId7"/>
-    <p:sldId id="267" r:id="rId8"/>
+    <p:sldId id="264" r:id="rId7"/>
+    <p:sldId id="271" r:id="rId8"/>
+    <p:sldId id="267" r:id="rId9"/>
   </p:sldIdLst>
   <p:sldSz cx="12192000" cy="6858000"/>
   <p:notesSz cx="6858000" cy="9144000"/>
@@ -2935,8 +2936,8 @@
         </p:nvSpPr>
         <p:spPr>
           <a:xfrm>
-            <a:off x="764540" y="3644900"/>
-            <a:ext cx="9919970" cy="1405255"/>
+            <a:off x="764540" y="3646170"/>
+            <a:ext cx="11065510" cy="1405255"/>
           </a:xfrm>
         </p:spPr>
         <p:txBody>
@@ -2945,7 +2946,7 @@
           </a:bodyPr>
           <a:lstStyle/>
           <a:p>
-            <a:pPr lvl="0" algn="ctr"/>
+            <a:pPr lvl="0" algn="l"/>
             <a:r>
               <a:rPr lang="en-GB" altLang="en-US" sz="2800" b="1"/>
               <a:t>Scope of this presentation:</a:t>
@@ -3087,8 +3088,8 @@
         </p:nvSpPr>
         <p:spPr>
           <a:xfrm>
-            <a:off x="838200" y="249555"/>
-            <a:ext cx="10515600" cy="675640"/>
+            <a:off x="594360" y="249555"/>
+            <a:ext cx="10759440" cy="675640"/>
           </a:xfrm>
         </p:spPr>
         <p:txBody>
@@ -3100,7 +3101,7 @@
                   <a:srgbClr val="00B050"/>
                 </a:solidFill>
               </a:rPr>
-              <a:t>2. Unambiguous requirements</a:t>
+              <a:t>2. Customer journeys to uncover user's pain points </a:t>
             </a:r>
             <a:endParaRPr lang="en-GB" altLang="en-US" sz="2800" b="1">
               <a:solidFill>
@@ -3120,8 +3121,8 @@
         </p:nvSpPr>
         <p:spPr>
           <a:xfrm>
-            <a:off x="868045" y="972185"/>
-            <a:ext cx="10515600" cy="5086985"/>
+            <a:off x="608965" y="974090"/>
+            <a:ext cx="11385550" cy="5086985"/>
           </a:xfrm>
         </p:spPr>
         <p:txBody>
@@ -3134,7 +3135,7 @@
             </a:pPr>
             <a:r>
               <a:rPr lang="en-GB" altLang="en-US"/>
-              <a:t>Unambiguous requirements help build software solutions that really solve the problem statement.</a:t>
+              <a:t>User centric customer journeys to uncover users pain points ensuring a sophisticated solution fit for purpose.</a:t>
             </a:r>
             <a:endParaRPr lang="en-GB" altLang="en-US"/>
           </a:p>
@@ -3150,8 +3151,42 @@
             </a:pPr>
             <a:r>
               <a:rPr lang="en-GB" altLang="en-US"/>
-              <a:t>Ambiguous requirements could lead to building digressed solutions.</a:t>
-            </a:r>
+              <a:t>Say the user wants to check out of an e-Commerce / m-Commerce site, </a:t>
+            </a:r>
+            <a:endParaRPr lang="en-GB" altLang="en-US"/>
+          </a:p>
+          <a:p>
+            <a:pPr marL="457200" indent="-457200">
+              <a:buFont typeface="Wingdings" charset="0"/>
+              <a:buChar char="ü"/>
+            </a:pPr>
+            <a:r>
+              <a:rPr lang="en-GB" altLang="en-US"/>
+              <a:t>A very lengthy page to complete personal and payment details is cumbersome.</a:t>
+            </a:r>
+            <a:endParaRPr lang="en-GB" altLang="en-US"/>
+          </a:p>
+          <a:p>
+            <a:pPr marL="457200" indent="-457200">
+              <a:buFont typeface="Wingdings" charset="0"/>
+              <a:buChar char="ü"/>
+            </a:pPr>
+            <a:r>
+              <a:rPr lang="en-GB" altLang="en-US"/>
+              <a:t>Resolved by a whizard checkout instead of one lengthy page.</a:t>
+            </a:r>
+            <a:endParaRPr lang="en-GB" altLang="en-US"/>
+          </a:p>
+          <a:p>
+            <a:pPr marL="0" indent="0">
+              <a:buNone/>
+            </a:pPr>
+            <a:endParaRPr lang="en-GB" altLang="en-US"/>
+          </a:p>
+          <a:p>
+            <a:pPr marL="0" indent="0">
+              <a:buNone/>
+            </a:pPr>
             <a:endParaRPr lang="en-GB" altLang="en-US"/>
           </a:p>
         </p:txBody>
@@ -3282,7 +3317,7 @@
                   <a:srgbClr val="00B050"/>
                 </a:solidFill>
               </a:rPr>
-              <a:t>4.  User/customer centred business design</a:t>
+              <a:t>4. Unambiguous requirements</a:t>
             </a:r>
             <a:endParaRPr lang="en-GB" altLang="en-US" sz="2800" b="1">
               <a:solidFill>
@@ -3316,7 +3351,7 @@
             </a:pPr>
             <a:r>
               <a:rPr lang="en-GB" altLang="en-US"/>
-              <a:t>Business design aimed at simplifying customer journeys</a:t>
+              <a:t>Unambiguous requirements help build software solutions that really solve the problem statement.</a:t>
             </a:r>
             <a:endParaRPr lang="en-GB" altLang="en-US"/>
           </a:p>
@@ -3332,7 +3367,7 @@
             </a:pPr>
             <a:r>
               <a:rPr lang="en-GB" altLang="en-US"/>
-              <a:t>User centred business design saves users time and organizations cost</a:t>
+              <a:t>Ambiguous requirements could lead to building digressed solutions.</a:t>
             </a:r>
             <a:endParaRPr lang="en-GB" altLang="en-US"/>
           </a:p>
@@ -3368,8 +3403,8 @@
         </p:nvSpPr>
         <p:spPr>
           <a:xfrm>
-            <a:off x="838200" y="249555"/>
-            <a:ext cx="10515600" cy="675640"/>
+            <a:off x="838200" y="365125"/>
+            <a:ext cx="10515600" cy="969010"/>
           </a:xfrm>
         </p:spPr>
         <p:txBody>
@@ -3383,7 +3418,118 @@
                   <a:srgbClr val="00B050"/>
                 </a:solidFill>
               </a:rPr>
-              <a:t>5. Elaborate system behavious in collaboration with dev &amp; test</a:t>
+              <a:t>5. Simplify business processes</a:t>
+            </a:r>
+            <a:endParaRPr lang="en-GB" altLang="en-US" sz="2800" b="1">
+              <a:solidFill>
+                <a:srgbClr val="00B050"/>
+              </a:solidFill>
+            </a:endParaRPr>
+          </a:p>
+        </p:txBody>
+      </p:sp>
+      <p:sp>
+        <p:nvSpPr>
+          <p:cNvPr id="3" name="Content Placeholder 2"/>
+          <p:cNvSpPr>
+            <a:spLocks noGrp="1"/>
+          </p:cNvSpPr>
+          <p:nvPr>
+            <p:ph sz="half" idx="1"/>
+          </p:nvPr>
+        </p:nvSpPr>
+        <p:spPr>
+          <a:xfrm>
+            <a:off x="924560" y="1598295"/>
+            <a:ext cx="5873115" cy="4351655"/>
+          </a:xfrm>
+        </p:spPr>
+        <p:txBody>
+          <a:bodyPr/>
+          <a:p>
+            <a:pPr marL="0" indent="0">
+              <a:buNone/>
+            </a:pPr>
+            <a:r>
+              <a:rPr lang="en-GB" altLang="en-US"/>
+              <a:t>People process and technology to be taken in to account together to simplify business processes thereby saving cost and time to the organization.</a:t>
+            </a:r>
+            <a:endParaRPr lang="en-GB" altLang="en-US"/>
+          </a:p>
+        </p:txBody>
+      </p:sp>
+      <p:pic>
+        <p:nvPicPr>
+          <p:cNvPr id="4" name="Content Placeholder 3"/>
+          <p:cNvPicPr>
+            <a:picLocks noChangeAspect="1"/>
+          </p:cNvPicPr>
+          <p:nvPr>
+            <p:ph sz="half" idx="2"/>
+          </p:nvPr>
+        </p:nvPicPr>
+        <p:blipFill>
+          <a:blip r:embed="rId1"/>
+          <a:stretch>
+            <a:fillRect/>
+          </a:stretch>
+        </p:blipFill>
+        <p:spPr>
+          <a:xfrm>
+            <a:off x="6734810" y="1134745"/>
+            <a:ext cx="5093335" cy="4351655"/>
+          </a:xfrm>
+          <a:prstGeom prst="rect">
+            <a:avLst/>
+          </a:prstGeom>
+        </p:spPr>
+      </p:pic>
+    </p:spTree>
+  </p:cSld>
+  <p:clrMapOvr>
+    <a:masterClrMapping/>
+  </p:clrMapOvr>
+</p:sld>
+</file>
+
+<file path=ppt/slides/slide7.xml><?xml version="1.0" encoding="utf-8"?>
+<p:sld xmlns:a="http://schemas.openxmlformats.org/drawingml/2006/main" xmlns:r="http://schemas.openxmlformats.org/officeDocument/2006/relationships" xmlns:p="http://schemas.openxmlformats.org/presentationml/2006/main">
+  <p:cSld>
+    <p:spTree>
+      <p:nvGrpSpPr>
+        <p:cNvPr id="1" name=""/>
+        <p:cNvGrpSpPr/>
+        <p:nvPr/>
+      </p:nvGrpSpPr>
+      <p:grpSpPr/>
+      <p:sp>
+        <p:nvSpPr>
+          <p:cNvPr id="2" name="Title 1"/>
+          <p:cNvSpPr>
+            <a:spLocks noGrp="1"/>
+          </p:cNvSpPr>
+          <p:nvPr>
+            <p:ph type="title"/>
+          </p:nvPr>
+        </p:nvSpPr>
+        <p:spPr>
+          <a:xfrm>
+            <a:off x="838200" y="249555"/>
+            <a:ext cx="10515600" cy="675640"/>
+          </a:xfrm>
+        </p:spPr>
+        <p:txBody>
+          <a:bodyPr>
+            <a:normAutofit/>
+          </a:bodyPr>
+          <a:p>
+            <a:r>
+              <a:rPr lang="en-GB" altLang="en-US" sz="2800" b="1">
+                <a:solidFill>
+                  <a:srgbClr val="00B050"/>
+                </a:solidFill>
+              </a:rPr>
+              <a:t>6. Elaborate system behavious in collaboration with dev &amp; test</a:t>
             </a:r>
             <a:endParaRPr lang="en-GB" altLang="en-US" sz="2800" b="1">
               <a:solidFill>
